--- a/AdditionalMaterials/BookPPTs/Chap1.EngineComponents.pptx
+++ b/AdditionalMaterials/BookPPTs/Chap1.EngineComponents.pptx
@@ -2446,7 +2446,7 @@
         <a:p>
           <a:r>
             <a:rPr lang="en-US" dirty="0"/>
-            <a:t>Graphics (Color of a pixel)</a:t>
+            <a:t>Graphics (color of a pixel)</a:t>
           </a:r>
         </a:p>
       </dgm:t>
@@ -2522,7 +2522,15 @@
         <a:p>
           <a:r>
             <a:rPr lang="en-US" dirty="0"/>
-            <a:t>Resources: (Read a bit at run time)</a:t>
+            <a:t>Resources: </a:t>
+          </a:r>
+          <a:r>
+            <a:rPr lang="en-US"/>
+            <a:t>(access at </a:t>
+          </a:r>
+          <a:r>
+            <a:rPr lang="en-US" dirty="0"/>
+            <a:t>run time)</a:t>
           </a:r>
         </a:p>
       </dgm:t>
@@ -3930,7 +3938,7 @@
           </a:pPr>
           <a:r>
             <a:rPr lang="en-US" sz="1600" kern="1200" dirty="0"/>
-            <a:t>Graphics (Color of a pixel)</a:t>
+            <a:t>Graphics (color of a pixel)</a:t>
           </a:r>
         </a:p>
       </dsp:txBody>
@@ -4634,7 +4642,15 @@
           </a:pPr>
           <a:r>
             <a:rPr lang="en-US" sz="1600" kern="1200" dirty="0"/>
-            <a:t>Resources: (Read a bit at run time)</a:t>
+            <a:t>Resources: </a:t>
+          </a:r>
+          <a:r>
+            <a:rPr lang="en-US" sz="1600" kern="1200"/>
+            <a:t>(access at </a:t>
+          </a:r>
+          <a:r>
+            <a:rPr lang="en-US" sz="1600" kern="1200" dirty="0"/>
+            <a:t>run time)</a:t>
           </a:r>
         </a:p>
       </dsp:txBody>
@@ -9807,7 +9823,7 @@
           <a:p>
             <a:fld id="{0E6BA319-05E9-49EE-8F99-CA1240CA2757}" type="datetimeFigureOut">
               <a:rPr lang="en-US" smtClean="0"/>
-              <a:t>1/6/2020</a:t>
+              <a:t>3/9/2021</a:t>
             </a:fld>
             <a:endParaRPr lang="en-US"/>
           </a:p>
@@ -10009,7 +10025,7 @@
           <a:p>
             <a:fld id="{0E6BA319-05E9-49EE-8F99-CA1240CA2757}" type="datetimeFigureOut">
               <a:rPr lang="en-US" smtClean="0"/>
-              <a:t>1/6/2020</a:t>
+              <a:t>3/9/2021</a:t>
             </a:fld>
             <a:endParaRPr lang="en-US"/>
           </a:p>
@@ -10761,7 +10777,7 @@
           <a:p>
             <a:fld id="{0E6BA319-05E9-49EE-8F99-CA1240CA2757}" type="datetimeFigureOut">
               <a:rPr lang="en-US" smtClean="0"/>
-              <a:t>1/6/2020</a:t>
+              <a:t>3/9/2021</a:t>
             </a:fld>
             <a:endParaRPr lang="en-US"/>
           </a:p>
@@ -11014,7 +11030,7 @@
           <a:p>
             <a:fld id="{0E6BA319-05E9-49EE-8F99-CA1240CA2757}" type="datetimeFigureOut">
               <a:rPr lang="en-US" smtClean="0"/>
-              <a:t>1/6/2020</a:t>
+              <a:t>3/9/2021</a:t>
             </a:fld>
             <a:endParaRPr lang="en-US"/>
           </a:p>
@@ -11402,7 +11418,7 @@
           <a:p>
             <a:fld id="{0E6BA319-05E9-49EE-8F99-CA1240CA2757}" type="datetimeFigureOut">
               <a:rPr lang="en-US" smtClean="0"/>
-              <a:t>1/6/2020</a:t>
+              <a:t>3/9/2021</a:t>
             </a:fld>
             <a:endParaRPr lang="en-US"/>
           </a:p>
@@ -11543,7 +11559,7 @@
           <a:p>
             <a:fld id="{0E6BA319-05E9-49EE-8F99-CA1240CA2757}" type="datetimeFigureOut">
               <a:rPr lang="en-US" smtClean="0"/>
-              <a:t>1/6/2020</a:t>
+              <a:t>3/9/2021</a:t>
             </a:fld>
             <a:endParaRPr lang="en-US"/>
           </a:p>
@@ -11662,7 +11678,7 @@
           <a:p>
             <a:fld id="{0E6BA319-05E9-49EE-8F99-CA1240CA2757}" type="datetimeFigureOut">
               <a:rPr lang="en-US" smtClean="0"/>
-              <a:t>1/6/2020</a:t>
+              <a:t>3/9/2021</a:t>
             </a:fld>
             <a:endParaRPr lang="en-US"/>
           </a:p>
@@ -11961,7 +11977,7 @@
           <a:p>
             <a:fld id="{0E6BA319-05E9-49EE-8F99-CA1240CA2757}" type="datetimeFigureOut">
               <a:rPr lang="en-US" smtClean="0"/>
-              <a:t>1/6/2020</a:t>
+              <a:t>3/9/2021</a:t>
             </a:fld>
             <a:endParaRPr lang="en-US"/>
           </a:p>
@@ -12237,7 +12253,7 @@
           <a:p>
             <a:fld id="{0E6BA319-05E9-49EE-8F99-CA1240CA2757}" type="datetimeFigureOut">
               <a:rPr lang="en-US" smtClean="0"/>
-              <a:t>1/6/2020</a:t>
+              <a:t>3/9/2021</a:t>
             </a:fld>
             <a:endParaRPr lang="en-US"/>
           </a:p>
@@ -12760,7 +12776,7 @@
             <p:ph idx="1"/>
             <p:extLst>
               <p:ext uri="{D42A27DB-BD31-4B8C-83A1-F6EECF244321}">
-                <p14:modId xmlns:p14="http://schemas.microsoft.com/office/powerpoint/2010/main" val="3168569982"/>
+                <p14:modId xmlns:p14="http://schemas.microsoft.com/office/powerpoint/2010/main" val="1040555299"/>
               </p:ext>
             </p:extLst>
           </p:nvPr>
